--- a/Documents/회의록 및 일정/해야할 일들.pptx
+++ b/Documents/회의록 및 일정/해야할 일들.pptx
@@ -3180,7 +3180,6 @@
               <a:rPr lang="en-US" altLang="ko-KR" sz="1400" dirty="0" smtClean="0"/>
               <a:t>)</a:t>
             </a:r>
-            <a:endParaRPr lang="en-US" altLang="ko-KR" sz="1400" dirty="0" smtClean="0"/>
           </a:p>
           <a:p>
             <a:r>
@@ -3353,14 +3352,7 @@
           </a:p>
           <a:p>
             <a:r>
-              <a:rPr lang="ko-KR" altLang="en-US" sz="1400" dirty="0" smtClean="0"/>
-              <a:t>숨을 수 있는 상호작용 오브젝트 구현</a:t>
-            </a:r>
-            <a:endParaRPr lang="en-US" altLang="ko-KR" sz="1400" dirty="0" smtClean="0"/>
-          </a:p>
-          <a:p>
-            <a:r>
-              <a:rPr lang="ko-KR" altLang="en-US" sz="1400" strike="sngStrike" dirty="0" smtClean="0"/>
+              <a:rPr lang="ko-KR" altLang="en-US" sz="1400" strike="sngStrike" smtClean="0"/>
               <a:t>적 </a:t>
             </a:r>
             <a:r>

--- a/Documents/회의록 및 일정/해야할 일들.pptx
+++ b/Documents/회의록 및 일정/해야할 일들.pptx
@@ -158,10 +158,9 @@
           </a:lstStyle>
           <a:p>
             <a:r>
-              <a:rPr lang="ko-KR" altLang="en-US" smtClean="0"/>
+              <a:rPr lang="ko-KR" altLang="en-US"/>
               <a:t>마스터 제목 스타일 편집</a:t>
             </a:r>
-            <a:endParaRPr lang="ko-KR" altLang="en-US"/>
           </a:p>
         </p:txBody>
       </p:sp>
@@ -223,10 +222,9 @@
           </a:lstStyle>
           <a:p>
             <a:r>
-              <a:rPr lang="ko-KR" altLang="en-US" smtClean="0"/>
+              <a:rPr lang="ko-KR" altLang="en-US"/>
               <a:t>마스터 부제목 스타일 편집</a:t>
             </a:r>
-            <a:endParaRPr lang="ko-KR" altLang="en-US"/>
           </a:p>
         </p:txBody>
       </p:sp>
@@ -247,7 +245,7 @@
           <a:p>
             <a:fld id="{C4052176-E421-4415-B777-3F697987D826}" type="datetimeFigureOut">
               <a:rPr lang="ko-KR" altLang="en-US" smtClean="0"/>
-              <a:t>2017-04-08</a:t>
+              <a:t>2017-04-12</a:t>
             </a:fld>
             <a:endParaRPr lang="ko-KR" altLang="en-US"/>
           </a:p>
@@ -341,10 +339,9 @@
           <a:lstStyle/>
           <a:p>
             <a:r>
-              <a:rPr lang="ko-KR" altLang="en-US" smtClean="0"/>
+              <a:rPr lang="ko-KR" altLang="en-US"/>
               <a:t>마스터 제목 스타일 편집</a:t>
             </a:r>
-            <a:endParaRPr lang="ko-KR" altLang="en-US"/>
           </a:p>
         </p:txBody>
       </p:sp>
@@ -365,38 +362,37 @@
           <a:p>
             <a:pPr lvl="0"/>
             <a:r>
-              <a:rPr lang="ko-KR" altLang="en-US" smtClean="0"/>
+              <a:rPr lang="ko-KR" altLang="en-US"/>
               <a:t>마스터 텍스트 스타일을 편집합니다</a:t>
             </a:r>
           </a:p>
           <a:p>
             <a:pPr lvl="1"/>
             <a:r>
-              <a:rPr lang="ko-KR" altLang="en-US" smtClean="0"/>
+              <a:rPr lang="ko-KR" altLang="en-US"/>
               <a:t>둘째 수준</a:t>
             </a:r>
           </a:p>
           <a:p>
             <a:pPr lvl="2"/>
             <a:r>
-              <a:rPr lang="ko-KR" altLang="en-US" smtClean="0"/>
+              <a:rPr lang="ko-KR" altLang="en-US"/>
               <a:t>셋째 수준</a:t>
             </a:r>
           </a:p>
           <a:p>
             <a:pPr lvl="3"/>
             <a:r>
-              <a:rPr lang="ko-KR" altLang="en-US" smtClean="0"/>
+              <a:rPr lang="ko-KR" altLang="en-US"/>
               <a:t>넷째 수준</a:t>
             </a:r>
           </a:p>
           <a:p>
             <a:pPr lvl="4"/>
             <a:r>
-              <a:rPr lang="ko-KR" altLang="en-US" smtClean="0"/>
+              <a:rPr lang="ko-KR" altLang="en-US"/>
               <a:t>다섯째 수준</a:t>
             </a:r>
-            <a:endParaRPr lang="ko-KR" altLang="en-US"/>
           </a:p>
         </p:txBody>
       </p:sp>
@@ -417,7 +413,7 @@
           <a:p>
             <a:fld id="{C4052176-E421-4415-B777-3F697987D826}" type="datetimeFigureOut">
               <a:rPr lang="ko-KR" altLang="en-US" smtClean="0"/>
-              <a:t>2017-04-08</a:t>
+              <a:t>2017-04-12</a:t>
             </a:fld>
             <a:endParaRPr lang="ko-KR" altLang="en-US"/>
           </a:p>
@@ -516,10 +512,9 @@
           <a:lstStyle/>
           <a:p>
             <a:r>
-              <a:rPr lang="ko-KR" altLang="en-US" smtClean="0"/>
+              <a:rPr lang="ko-KR" altLang="en-US"/>
               <a:t>마스터 제목 스타일 편집</a:t>
             </a:r>
-            <a:endParaRPr lang="ko-KR" altLang="en-US"/>
           </a:p>
         </p:txBody>
       </p:sp>
@@ -545,38 +540,37 @@
           <a:p>
             <a:pPr lvl="0"/>
             <a:r>
-              <a:rPr lang="ko-KR" altLang="en-US" smtClean="0"/>
+              <a:rPr lang="ko-KR" altLang="en-US"/>
               <a:t>마스터 텍스트 스타일을 편집합니다</a:t>
             </a:r>
           </a:p>
           <a:p>
             <a:pPr lvl="1"/>
             <a:r>
-              <a:rPr lang="ko-KR" altLang="en-US" smtClean="0"/>
+              <a:rPr lang="ko-KR" altLang="en-US"/>
               <a:t>둘째 수준</a:t>
             </a:r>
           </a:p>
           <a:p>
             <a:pPr lvl="2"/>
             <a:r>
-              <a:rPr lang="ko-KR" altLang="en-US" smtClean="0"/>
+              <a:rPr lang="ko-KR" altLang="en-US"/>
               <a:t>셋째 수준</a:t>
             </a:r>
           </a:p>
           <a:p>
             <a:pPr lvl="3"/>
             <a:r>
-              <a:rPr lang="ko-KR" altLang="en-US" smtClean="0"/>
+              <a:rPr lang="ko-KR" altLang="en-US"/>
               <a:t>넷째 수준</a:t>
             </a:r>
           </a:p>
           <a:p>
             <a:pPr lvl="4"/>
             <a:r>
-              <a:rPr lang="ko-KR" altLang="en-US" smtClean="0"/>
+              <a:rPr lang="ko-KR" altLang="en-US"/>
               <a:t>다섯째 수준</a:t>
             </a:r>
-            <a:endParaRPr lang="ko-KR" altLang="en-US"/>
           </a:p>
         </p:txBody>
       </p:sp>
@@ -597,7 +591,7 @@
           <a:p>
             <a:fld id="{C4052176-E421-4415-B777-3F697987D826}" type="datetimeFigureOut">
               <a:rPr lang="ko-KR" altLang="en-US" smtClean="0"/>
-              <a:t>2017-04-08</a:t>
+              <a:t>2017-04-12</a:t>
             </a:fld>
             <a:endParaRPr lang="ko-KR" altLang="en-US"/>
           </a:p>
@@ -691,10 +685,9 @@
           <a:lstStyle/>
           <a:p>
             <a:r>
-              <a:rPr lang="ko-KR" altLang="en-US" smtClean="0"/>
+              <a:rPr lang="ko-KR" altLang="en-US"/>
               <a:t>마스터 제목 스타일 편집</a:t>
             </a:r>
-            <a:endParaRPr lang="ko-KR" altLang="en-US"/>
           </a:p>
         </p:txBody>
       </p:sp>
@@ -715,38 +708,37 @@
           <a:p>
             <a:pPr lvl="0"/>
             <a:r>
-              <a:rPr lang="ko-KR" altLang="en-US" smtClean="0"/>
+              <a:rPr lang="ko-KR" altLang="en-US"/>
               <a:t>마스터 텍스트 스타일을 편집합니다</a:t>
             </a:r>
           </a:p>
           <a:p>
             <a:pPr lvl="1"/>
             <a:r>
-              <a:rPr lang="ko-KR" altLang="en-US" smtClean="0"/>
+              <a:rPr lang="ko-KR" altLang="en-US"/>
               <a:t>둘째 수준</a:t>
             </a:r>
           </a:p>
           <a:p>
             <a:pPr lvl="2"/>
             <a:r>
-              <a:rPr lang="ko-KR" altLang="en-US" smtClean="0"/>
+              <a:rPr lang="ko-KR" altLang="en-US"/>
               <a:t>셋째 수준</a:t>
             </a:r>
           </a:p>
           <a:p>
             <a:pPr lvl="3"/>
             <a:r>
-              <a:rPr lang="ko-KR" altLang="en-US" smtClean="0"/>
+              <a:rPr lang="ko-KR" altLang="en-US"/>
               <a:t>넷째 수준</a:t>
             </a:r>
           </a:p>
           <a:p>
             <a:pPr lvl="4"/>
             <a:r>
-              <a:rPr lang="ko-KR" altLang="en-US" smtClean="0"/>
+              <a:rPr lang="ko-KR" altLang="en-US"/>
               <a:t>다섯째 수준</a:t>
             </a:r>
-            <a:endParaRPr lang="ko-KR" altLang="en-US"/>
           </a:p>
         </p:txBody>
       </p:sp>
@@ -767,7 +759,7 @@
           <a:p>
             <a:fld id="{C4052176-E421-4415-B777-3F697987D826}" type="datetimeFigureOut">
               <a:rPr lang="ko-KR" altLang="en-US" smtClean="0"/>
-              <a:t>2017-04-08</a:t>
+              <a:t>2017-04-12</a:t>
             </a:fld>
             <a:endParaRPr lang="ko-KR" altLang="en-US"/>
           </a:p>
@@ -870,10 +862,9 @@
           </a:lstStyle>
           <a:p>
             <a:r>
-              <a:rPr lang="ko-KR" altLang="en-US" smtClean="0"/>
+              <a:rPr lang="ko-KR" altLang="en-US"/>
               <a:t>마스터 제목 스타일 편집</a:t>
             </a:r>
-            <a:endParaRPr lang="ko-KR" altLang="en-US"/>
           </a:p>
         </p:txBody>
       </p:sp>
@@ -990,7 +981,7 @@
           <a:p>
             <a:pPr lvl="0"/>
             <a:r>
-              <a:rPr lang="ko-KR" altLang="en-US" smtClean="0"/>
+              <a:rPr lang="ko-KR" altLang="en-US"/>
               <a:t>마스터 텍스트 스타일을 편집합니다</a:t>
             </a:r>
           </a:p>
@@ -1013,7 +1004,7 @@
           <a:p>
             <a:fld id="{C4052176-E421-4415-B777-3F697987D826}" type="datetimeFigureOut">
               <a:rPr lang="ko-KR" altLang="en-US" smtClean="0"/>
-              <a:t>2017-04-08</a:t>
+              <a:t>2017-04-12</a:t>
             </a:fld>
             <a:endParaRPr lang="ko-KR" altLang="en-US"/>
           </a:p>
@@ -1107,10 +1098,9 @@
           <a:lstStyle/>
           <a:p>
             <a:r>
-              <a:rPr lang="ko-KR" altLang="en-US" smtClean="0"/>
+              <a:rPr lang="ko-KR" altLang="en-US"/>
               <a:t>마스터 제목 스타일 편집</a:t>
             </a:r>
-            <a:endParaRPr lang="ko-KR" altLang="en-US"/>
           </a:p>
         </p:txBody>
       </p:sp>
@@ -1136,38 +1126,37 @@
           <a:p>
             <a:pPr lvl="0"/>
             <a:r>
-              <a:rPr lang="ko-KR" altLang="en-US" smtClean="0"/>
+              <a:rPr lang="ko-KR" altLang="en-US"/>
               <a:t>마스터 텍스트 스타일을 편집합니다</a:t>
             </a:r>
           </a:p>
           <a:p>
             <a:pPr lvl="1"/>
             <a:r>
-              <a:rPr lang="ko-KR" altLang="en-US" smtClean="0"/>
+              <a:rPr lang="ko-KR" altLang="en-US"/>
               <a:t>둘째 수준</a:t>
             </a:r>
           </a:p>
           <a:p>
             <a:pPr lvl="2"/>
             <a:r>
-              <a:rPr lang="ko-KR" altLang="en-US" smtClean="0"/>
+              <a:rPr lang="ko-KR" altLang="en-US"/>
               <a:t>셋째 수준</a:t>
             </a:r>
           </a:p>
           <a:p>
             <a:pPr lvl="3"/>
             <a:r>
-              <a:rPr lang="ko-KR" altLang="en-US" smtClean="0"/>
+              <a:rPr lang="ko-KR" altLang="en-US"/>
               <a:t>넷째 수준</a:t>
             </a:r>
           </a:p>
           <a:p>
             <a:pPr lvl="4"/>
             <a:r>
-              <a:rPr lang="ko-KR" altLang="en-US" smtClean="0"/>
+              <a:rPr lang="ko-KR" altLang="en-US"/>
               <a:t>다섯째 수준</a:t>
             </a:r>
-            <a:endParaRPr lang="ko-KR" altLang="en-US"/>
           </a:p>
         </p:txBody>
       </p:sp>
@@ -1193,38 +1182,37 @@
           <a:p>
             <a:pPr lvl="0"/>
             <a:r>
-              <a:rPr lang="ko-KR" altLang="en-US" smtClean="0"/>
+              <a:rPr lang="ko-KR" altLang="en-US"/>
               <a:t>마스터 텍스트 스타일을 편집합니다</a:t>
             </a:r>
           </a:p>
           <a:p>
             <a:pPr lvl="1"/>
             <a:r>
-              <a:rPr lang="ko-KR" altLang="en-US" smtClean="0"/>
+              <a:rPr lang="ko-KR" altLang="en-US"/>
               <a:t>둘째 수준</a:t>
             </a:r>
           </a:p>
           <a:p>
             <a:pPr lvl="2"/>
             <a:r>
-              <a:rPr lang="ko-KR" altLang="en-US" smtClean="0"/>
+              <a:rPr lang="ko-KR" altLang="en-US"/>
               <a:t>셋째 수준</a:t>
             </a:r>
           </a:p>
           <a:p>
             <a:pPr lvl="3"/>
             <a:r>
-              <a:rPr lang="ko-KR" altLang="en-US" smtClean="0"/>
+              <a:rPr lang="ko-KR" altLang="en-US"/>
               <a:t>넷째 수준</a:t>
             </a:r>
           </a:p>
           <a:p>
             <a:pPr lvl="4"/>
             <a:r>
-              <a:rPr lang="ko-KR" altLang="en-US" smtClean="0"/>
+              <a:rPr lang="ko-KR" altLang="en-US"/>
               <a:t>다섯째 수준</a:t>
             </a:r>
-            <a:endParaRPr lang="ko-KR" altLang="en-US"/>
           </a:p>
         </p:txBody>
       </p:sp>
@@ -1245,7 +1233,7 @@
           <a:p>
             <a:fld id="{C4052176-E421-4415-B777-3F697987D826}" type="datetimeFigureOut">
               <a:rPr lang="ko-KR" altLang="en-US" smtClean="0"/>
-              <a:t>2017-04-08</a:t>
+              <a:t>2017-04-12</a:t>
             </a:fld>
             <a:endParaRPr lang="ko-KR" altLang="en-US"/>
           </a:p>
@@ -1344,10 +1332,9 @@
           <a:lstStyle/>
           <a:p>
             <a:r>
-              <a:rPr lang="ko-KR" altLang="en-US" smtClean="0"/>
+              <a:rPr lang="ko-KR" altLang="en-US"/>
               <a:t>마스터 제목 스타일 편집</a:t>
             </a:r>
-            <a:endParaRPr lang="ko-KR" altLang="en-US"/>
           </a:p>
         </p:txBody>
       </p:sp>
@@ -1410,7 +1397,7 @@
           <a:p>
             <a:pPr lvl="0"/>
             <a:r>
-              <a:rPr lang="ko-KR" altLang="en-US" smtClean="0"/>
+              <a:rPr lang="ko-KR" altLang="en-US"/>
               <a:t>마스터 텍스트 스타일을 편집합니다</a:t>
             </a:r>
           </a:p>
@@ -1438,38 +1425,37 @@
           <a:p>
             <a:pPr lvl="0"/>
             <a:r>
-              <a:rPr lang="ko-KR" altLang="en-US" smtClean="0"/>
+              <a:rPr lang="ko-KR" altLang="en-US"/>
               <a:t>마스터 텍스트 스타일을 편집합니다</a:t>
             </a:r>
           </a:p>
           <a:p>
             <a:pPr lvl="1"/>
             <a:r>
-              <a:rPr lang="ko-KR" altLang="en-US" smtClean="0"/>
+              <a:rPr lang="ko-KR" altLang="en-US"/>
               <a:t>둘째 수준</a:t>
             </a:r>
           </a:p>
           <a:p>
             <a:pPr lvl="2"/>
             <a:r>
-              <a:rPr lang="ko-KR" altLang="en-US" smtClean="0"/>
+              <a:rPr lang="ko-KR" altLang="en-US"/>
               <a:t>셋째 수준</a:t>
             </a:r>
           </a:p>
           <a:p>
             <a:pPr lvl="3"/>
             <a:r>
-              <a:rPr lang="ko-KR" altLang="en-US" smtClean="0"/>
+              <a:rPr lang="ko-KR" altLang="en-US"/>
               <a:t>넷째 수준</a:t>
             </a:r>
           </a:p>
           <a:p>
             <a:pPr lvl="4"/>
             <a:r>
-              <a:rPr lang="ko-KR" altLang="en-US" smtClean="0"/>
+              <a:rPr lang="ko-KR" altLang="en-US"/>
               <a:t>다섯째 수준</a:t>
             </a:r>
-            <a:endParaRPr lang="ko-KR" altLang="en-US"/>
           </a:p>
         </p:txBody>
       </p:sp>
@@ -1532,7 +1518,7 @@
           <a:p>
             <a:pPr lvl="0"/>
             <a:r>
-              <a:rPr lang="ko-KR" altLang="en-US" smtClean="0"/>
+              <a:rPr lang="ko-KR" altLang="en-US"/>
               <a:t>마스터 텍스트 스타일을 편집합니다</a:t>
             </a:r>
           </a:p>
@@ -1560,38 +1546,37 @@
           <a:p>
             <a:pPr lvl="0"/>
             <a:r>
-              <a:rPr lang="ko-KR" altLang="en-US" smtClean="0"/>
+              <a:rPr lang="ko-KR" altLang="en-US"/>
               <a:t>마스터 텍스트 스타일을 편집합니다</a:t>
             </a:r>
           </a:p>
           <a:p>
             <a:pPr lvl="1"/>
             <a:r>
-              <a:rPr lang="ko-KR" altLang="en-US" smtClean="0"/>
+              <a:rPr lang="ko-KR" altLang="en-US"/>
               <a:t>둘째 수준</a:t>
             </a:r>
           </a:p>
           <a:p>
             <a:pPr lvl="2"/>
             <a:r>
-              <a:rPr lang="ko-KR" altLang="en-US" smtClean="0"/>
+              <a:rPr lang="ko-KR" altLang="en-US"/>
               <a:t>셋째 수준</a:t>
             </a:r>
           </a:p>
           <a:p>
             <a:pPr lvl="3"/>
             <a:r>
-              <a:rPr lang="ko-KR" altLang="en-US" smtClean="0"/>
+              <a:rPr lang="ko-KR" altLang="en-US"/>
               <a:t>넷째 수준</a:t>
             </a:r>
           </a:p>
           <a:p>
             <a:pPr lvl="4"/>
             <a:r>
-              <a:rPr lang="ko-KR" altLang="en-US" smtClean="0"/>
+              <a:rPr lang="ko-KR" altLang="en-US"/>
               <a:t>다섯째 수준</a:t>
             </a:r>
-            <a:endParaRPr lang="ko-KR" altLang="en-US"/>
           </a:p>
         </p:txBody>
       </p:sp>
@@ -1612,7 +1597,7 @@
           <a:p>
             <a:fld id="{C4052176-E421-4415-B777-3F697987D826}" type="datetimeFigureOut">
               <a:rPr lang="ko-KR" altLang="en-US" smtClean="0"/>
-              <a:t>2017-04-08</a:t>
+              <a:t>2017-04-12</a:t>
             </a:fld>
             <a:endParaRPr lang="ko-KR" altLang="en-US"/>
           </a:p>
@@ -1706,10 +1691,9 @@
           <a:lstStyle/>
           <a:p>
             <a:r>
-              <a:rPr lang="ko-KR" altLang="en-US" smtClean="0"/>
+              <a:rPr lang="ko-KR" altLang="en-US"/>
               <a:t>마스터 제목 스타일 편집</a:t>
             </a:r>
-            <a:endParaRPr lang="ko-KR" altLang="en-US"/>
           </a:p>
         </p:txBody>
       </p:sp>
@@ -1730,7 +1714,7 @@
           <a:p>
             <a:fld id="{C4052176-E421-4415-B777-3F697987D826}" type="datetimeFigureOut">
               <a:rPr lang="ko-KR" altLang="en-US" smtClean="0"/>
-              <a:t>2017-04-08</a:t>
+              <a:t>2017-04-12</a:t>
             </a:fld>
             <a:endParaRPr lang="ko-KR" altLang="en-US"/>
           </a:p>
@@ -1825,7 +1809,7 @@
           <a:p>
             <a:fld id="{C4052176-E421-4415-B777-3F697987D826}" type="datetimeFigureOut">
               <a:rPr lang="ko-KR" altLang="en-US" smtClean="0"/>
-              <a:t>2017-04-08</a:t>
+              <a:t>2017-04-12</a:t>
             </a:fld>
             <a:endParaRPr lang="ko-KR" altLang="en-US"/>
           </a:p>
@@ -1928,10 +1912,9 @@
           </a:lstStyle>
           <a:p>
             <a:r>
-              <a:rPr lang="ko-KR" altLang="en-US" smtClean="0"/>
+              <a:rPr lang="ko-KR" altLang="en-US"/>
               <a:t>마스터 제목 스타일 편집</a:t>
             </a:r>
-            <a:endParaRPr lang="ko-KR" altLang="en-US"/>
           </a:p>
         </p:txBody>
       </p:sp>
@@ -1985,38 +1968,37 @@
           <a:p>
             <a:pPr lvl="0"/>
             <a:r>
-              <a:rPr lang="ko-KR" altLang="en-US" smtClean="0"/>
+              <a:rPr lang="ko-KR" altLang="en-US"/>
               <a:t>마스터 텍스트 스타일을 편집합니다</a:t>
             </a:r>
           </a:p>
           <a:p>
             <a:pPr lvl="1"/>
             <a:r>
-              <a:rPr lang="ko-KR" altLang="en-US" smtClean="0"/>
+              <a:rPr lang="ko-KR" altLang="en-US"/>
               <a:t>둘째 수준</a:t>
             </a:r>
           </a:p>
           <a:p>
             <a:pPr lvl="2"/>
             <a:r>
-              <a:rPr lang="ko-KR" altLang="en-US" smtClean="0"/>
+              <a:rPr lang="ko-KR" altLang="en-US"/>
               <a:t>셋째 수준</a:t>
             </a:r>
           </a:p>
           <a:p>
             <a:pPr lvl="3"/>
             <a:r>
-              <a:rPr lang="ko-KR" altLang="en-US" smtClean="0"/>
+              <a:rPr lang="ko-KR" altLang="en-US"/>
               <a:t>넷째 수준</a:t>
             </a:r>
           </a:p>
           <a:p>
             <a:pPr lvl="4"/>
             <a:r>
-              <a:rPr lang="ko-KR" altLang="en-US" smtClean="0"/>
+              <a:rPr lang="ko-KR" altLang="en-US"/>
               <a:t>다섯째 수준</a:t>
             </a:r>
-            <a:endParaRPr lang="ko-KR" altLang="en-US"/>
           </a:p>
         </p:txBody>
       </p:sp>
@@ -2079,7 +2061,7 @@
           <a:p>
             <a:pPr lvl="0"/>
             <a:r>
-              <a:rPr lang="ko-KR" altLang="en-US" smtClean="0"/>
+              <a:rPr lang="ko-KR" altLang="en-US"/>
               <a:t>마스터 텍스트 스타일을 편집합니다</a:t>
             </a:r>
           </a:p>
@@ -2102,7 +2084,7 @@
           <a:p>
             <a:fld id="{C4052176-E421-4415-B777-3F697987D826}" type="datetimeFigureOut">
               <a:rPr lang="ko-KR" altLang="en-US" smtClean="0"/>
-              <a:t>2017-04-08</a:t>
+              <a:t>2017-04-12</a:t>
             </a:fld>
             <a:endParaRPr lang="ko-KR" altLang="en-US"/>
           </a:p>
@@ -2205,10 +2187,9 @@
           </a:lstStyle>
           <a:p>
             <a:r>
-              <a:rPr lang="ko-KR" altLang="en-US" smtClean="0"/>
+              <a:rPr lang="ko-KR" altLang="en-US"/>
               <a:t>마스터 제목 스타일 편집</a:t>
             </a:r>
-            <a:endParaRPr lang="ko-KR" altLang="en-US"/>
           </a:p>
         </p:txBody>
       </p:sp>
@@ -2332,7 +2313,7 @@
           <a:p>
             <a:pPr lvl="0"/>
             <a:r>
-              <a:rPr lang="ko-KR" altLang="en-US" smtClean="0"/>
+              <a:rPr lang="ko-KR" altLang="en-US"/>
               <a:t>마스터 텍스트 스타일을 편집합니다</a:t>
             </a:r>
           </a:p>
@@ -2355,7 +2336,7 @@
           <a:p>
             <a:fld id="{C4052176-E421-4415-B777-3F697987D826}" type="datetimeFigureOut">
               <a:rPr lang="ko-KR" altLang="en-US" smtClean="0"/>
-              <a:t>2017-04-08</a:t>
+              <a:t>2017-04-12</a:t>
             </a:fld>
             <a:endParaRPr lang="ko-KR" altLang="en-US"/>
           </a:p>
@@ -2464,10 +2445,9 @@
           <a:lstStyle/>
           <a:p>
             <a:r>
-              <a:rPr lang="ko-KR" altLang="en-US" smtClean="0"/>
+              <a:rPr lang="ko-KR" altLang="en-US"/>
               <a:t>마스터 제목 스타일 편집</a:t>
             </a:r>
-            <a:endParaRPr lang="ko-KR" altLang="en-US"/>
           </a:p>
         </p:txBody>
       </p:sp>
@@ -2498,38 +2478,37 @@
           <a:p>
             <a:pPr lvl="0"/>
             <a:r>
-              <a:rPr lang="ko-KR" altLang="en-US" smtClean="0"/>
+              <a:rPr lang="ko-KR" altLang="en-US"/>
               <a:t>마스터 텍스트 스타일을 편집합니다</a:t>
             </a:r>
           </a:p>
           <a:p>
             <a:pPr lvl="1"/>
             <a:r>
-              <a:rPr lang="ko-KR" altLang="en-US" smtClean="0"/>
+              <a:rPr lang="ko-KR" altLang="en-US"/>
               <a:t>둘째 수준</a:t>
             </a:r>
           </a:p>
           <a:p>
             <a:pPr lvl="2"/>
             <a:r>
-              <a:rPr lang="ko-KR" altLang="en-US" smtClean="0"/>
+              <a:rPr lang="ko-KR" altLang="en-US"/>
               <a:t>셋째 수준</a:t>
             </a:r>
           </a:p>
           <a:p>
             <a:pPr lvl="3"/>
             <a:r>
-              <a:rPr lang="ko-KR" altLang="en-US" smtClean="0"/>
+              <a:rPr lang="ko-KR" altLang="en-US"/>
               <a:t>넷째 수준</a:t>
             </a:r>
           </a:p>
           <a:p>
             <a:pPr lvl="4"/>
             <a:r>
-              <a:rPr lang="ko-KR" altLang="en-US" smtClean="0"/>
+              <a:rPr lang="ko-KR" altLang="en-US"/>
               <a:t>다섯째 수준</a:t>
             </a:r>
-            <a:endParaRPr lang="ko-KR" altLang="en-US"/>
           </a:p>
         </p:txBody>
       </p:sp>
@@ -2568,7 +2547,7 @@
           <a:p>
             <a:fld id="{C4052176-E421-4415-B777-3F697987D826}" type="datetimeFigureOut">
               <a:rPr lang="ko-KR" altLang="en-US" smtClean="0"/>
-              <a:t>2017-04-08</a:t>
+              <a:t>2017-04-12</a:t>
             </a:fld>
             <a:endParaRPr lang="ko-KR" altLang="en-US"/>
           </a:p>
@@ -2989,10 +2968,9 @@
           <a:lstStyle/>
           <a:p>
             <a:r>
-              <a:rPr lang="ko-KR" altLang="en-US" dirty="0" smtClean="0"/>
+              <a:rPr lang="ko-KR" altLang="en-US" dirty="0"/>
               <a:t>기획</a:t>
             </a:r>
-            <a:endParaRPr lang="ko-KR" altLang="en-US" dirty="0"/>
           </a:p>
         </p:txBody>
       </p:sp>
@@ -3019,57 +2997,52 @@
             </a:r>
             <a:r>
               <a:rPr lang="ko-KR" altLang="en-US" sz="1400" dirty="0"/>
-              <a:t>레벨 </a:t>
-            </a:r>
-            <a:r>
-              <a:rPr lang="ko-KR" altLang="en-US" sz="1400" dirty="0" smtClean="0"/>
-              <a:t>디자인</a:t>
-            </a:r>
-            <a:endParaRPr lang="en-US" altLang="ko-KR" sz="1400" dirty="0" smtClean="0"/>
-          </a:p>
-          <a:p>
-            <a:r>
-              <a:rPr lang="en-US" altLang="ko-KR" sz="1400" dirty="0" smtClean="0"/>
+              <a:t>레벨 디자인</a:t>
+            </a:r>
+            <a:endParaRPr lang="en-US" altLang="ko-KR" sz="1400" dirty="0"/>
+          </a:p>
+          <a:p>
+            <a:r>
+              <a:rPr lang="en-US" altLang="ko-KR" sz="1400" dirty="0"/>
               <a:t>Stage1-1 </a:t>
             </a:r>
             <a:r>
-              <a:rPr lang="ko-KR" altLang="en-US" sz="1400" dirty="0" smtClean="0"/>
+              <a:rPr lang="ko-KR" altLang="en-US" sz="1400" dirty="0"/>
               <a:t>아트 이미지 추가할 것 생각해보기</a:t>
             </a:r>
             <a:endParaRPr lang="en-US" altLang="ko-KR" sz="1400" dirty="0"/>
           </a:p>
           <a:p>
             <a:r>
-              <a:rPr lang="ko-KR" altLang="en-US" sz="1400" dirty="0" smtClean="0"/>
+              <a:rPr lang="ko-KR" altLang="en-US" sz="1400" dirty="0"/>
               <a:t>스토리 기획</a:t>
             </a:r>
             <a:r>
-              <a:rPr lang="en-US" altLang="ko-KR" sz="1400" dirty="0" smtClean="0"/>
+              <a:rPr lang="en-US" altLang="ko-KR" sz="1400" dirty="0"/>
               <a:t>, </a:t>
             </a:r>
             <a:r>
-              <a:rPr lang="ko-KR" altLang="en-US" sz="1400" dirty="0" smtClean="0"/>
+              <a:rPr lang="ko-KR" altLang="en-US" sz="1400" dirty="0"/>
               <a:t>기승전결 세부화</a:t>
             </a:r>
-            <a:endParaRPr lang="en-US" altLang="ko-KR" sz="1400" dirty="0" smtClean="0"/>
-          </a:p>
-          <a:p>
-            <a:r>
-              <a:rPr lang="ko-KR" altLang="en-US" sz="1400" dirty="0" err="1" smtClean="0"/>
+            <a:endParaRPr lang="en-US" altLang="ko-KR" sz="1400" dirty="0"/>
+          </a:p>
+          <a:p>
+            <a:r>
+              <a:rPr lang="ko-KR" altLang="en-US" sz="1400" dirty="0" err="1"/>
               <a:t>엔딩</a:t>
             </a:r>
             <a:r>
-              <a:rPr lang="ko-KR" altLang="en-US" sz="1400" dirty="0" smtClean="0"/>
+              <a:rPr lang="ko-KR" altLang="en-US" sz="1400" dirty="0"/>
               <a:t> 씬 묘사하기</a:t>
             </a:r>
-            <a:endParaRPr lang="en-US" altLang="ko-KR" sz="1400" dirty="0" smtClean="0"/>
-          </a:p>
-          <a:p>
-            <a:r>
-              <a:rPr lang="ko-KR" altLang="en-US" sz="1400" dirty="0" smtClean="0"/>
+            <a:endParaRPr lang="en-US" altLang="ko-KR" sz="1400" dirty="0"/>
+          </a:p>
+          <a:p>
+            <a:r>
+              <a:rPr lang="ko-KR" altLang="en-US" sz="1400" dirty="0"/>
               <a:t>스토리 기획을 통해 만들어질 스테이지 도출해내기</a:t>
             </a:r>
-            <a:endParaRPr lang="ko-KR" altLang="en-US" sz="1400" dirty="0"/>
           </a:p>
         </p:txBody>
       </p:sp>
@@ -3119,10 +3092,9 @@
           <a:lstStyle/>
           <a:p>
             <a:r>
-              <a:rPr lang="ko-KR" altLang="en-US" dirty="0" smtClean="0"/>
+              <a:rPr lang="ko-KR" altLang="en-US" dirty="0"/>
               <a:t>아트</a:t>
             </a:r>
-            <a:endParaRPr lang="ko-KR" altLang="en-US" dirty="0"/>
           </a:p>
         </p:txBody>
       </p:sp>
@@ -3142,120 +3114,120 @@
           <a:lstStyle/>
           <a:p>
             <a:r>
-              <a:rPr lang="ko-KR" altLang="en-US" sz="1400" dirty="0" smtClean="0"/>
+              <a:rPr lang="ko-KR" altLang="en-US" sz="1400" dirty="0"/>
               <a:t>경비원이 총을 쐈을 때 총구에서 발생하는 </a:t>
             </a:r>
             <a:r>
-              <a:rPr lang="ko-KR" altLang="en-US" sz="1400" dirty="0" err="1" smtClean="0"/>
+              <a:rPr lang="ko-KR" altLang="en-US" sz="1400" dirty="0" err="1"/>
               <a:t>이펙트</a:t>
             </a:r>
-            <a:endParaRPr lang="en-US" altLang="ko-KR" sz="1400" dirty="0" smtClean="0"/>
-          </a:p>
-          <a:p>
-            <a:r>
-              <a:rPr lang="en-US" altLang="ko-KR" sz="1400" dirty="0" smtClean="0"/>
+            <a:endParaRPr lang="en-US" altLang="ko-KR" sz="1400" dirty="0"/>
+          </a:p>
+          <a:p>
+            <a:r>
+              <a:rPr lang="en-US" altLang="ko-KR" sz="1400" dirty="0"/>
               <a:t>1-1 </a:t>
             </a:r>
             <a:r>
-              <a:rPr lang="ko-KR" altLang="en-US" sz="1400" dirty="0" smtClean="0"/>
+              <a:rPr lang="ko-KR" altLang="en-US" sz="1400" dirty="0"/>
               <a:t>및 </a:t>
             </a:r>
             <a:r>
-              <a:rPr lang="en-US" altLang="ko-KR" sz="1400" dirty="0" smtClean="0"/>
+              <a:rPr lang="en-US" altLang="ko-KR" sz="1400" dirty="0"/>
               <a:t>1-2 </a:t>
             </a:r>
             <a:r>
-              <a:rPr lang="ko-KR" altLang="en-US" sz="1400" dirty="0" smtClean="0"/>
+              <a:rPr lang="ko-KR" altLang="en-US" sz="1400" dirty="0"/>
               <a:t>스테이지 배경 요소들 추가</a:t>
             </a:r>
             <a:r>
-              <a:rPr lang="en-US" altLang="ko-KR" sz="1400" dirty="0" smtClean="0"/>
+              <a:rPr lang="en-US" altLang="ko-KR" sz="1400" dirty="0"/>
               <a:t>(txt </a:t>
             </a:r>
             <a:r>
-              <a:rPr lang="ko-KR" altLang="en-US" sz="1400" smtClean="0"/>
+              <a:rPr lang="ko-KR" altLang="en-US" sz="1400"/>
               <a:t>및 예시 이미지 참고</a:t>
             </a:r>
             <a:r>
-              <a:rPr lang="en-US" altLang="ko-KR" sz="1400" dirty="0" smtClean="0"/>
+              <a:rPr lang="en-US" altLang="ko-KR" sz="1400" dirty="0"/>
               <a:t>)</a:t>
             </a:r>
           </a:p>
           <a:p>
             <a:r>
-              <a:rPr lang="ko-KR" altLang="en-US" sz="1400" dirty="0" smtClean="0"/>
+              <a:rPr lang="ko-KR" altLang="en-US" sz="1400" dirty="0"/>
               <a:t>주인공 </a:t>
             </a:r>
             <a:r>
-              <a:rPr lang="ko-KR" altLang="en-US" sz="1400" dirty="0" err="1" smtClean="0"/>
+              <a:rPr lang="ko-KR" altLang="en-US" sz="1400" dirty="0" err="1"/>
               <a:t>케릭터</a:t>
             </a:r>
             <a:r>
-              <a:rPr lang="ko-KR" altLang="en-US" sz="1400" dirty="0" smtClean="0"/>
+              <a:rPr lang="ko-KR" altLang="en-US" sz="1400" dirty="0"/>
               <a:t> 행동들 애니메이션 만들기</a:t>
             </a:r>
             <a:r>
-              <a:rPr lang="en-US" altLang="ko-KR" sz="1400" dirty="0" smtClean="0"/>
+              <a:rPr lang="en-US" altLang="ko-KR" sz="1400" dirty="0"/>
               <a:t>(PPT </a:t>
             </a:r>
             <a:r>
-              <a:rPr lang="ko-KR" altLang="en-US" sz="1400" dirty="0" smtClean="0"/>
+              <a:rPr lang="ko-KR" altLang="en-US" sz="1400" dirty="0"/>
               <a:t>참고</a:t>
             </a:r>
             <a:r>
-              <a:rPr lang="en-US" altLang="ko-KR" sz="1400" dirty="0" smtClean="0"/>
+              <a:rPr lang="en-US" altLang="ko-KR" sz="1400" dirty="0"/>
               <a:t>)</a:t>
             </a:r>
             <a:endParaRPr lang="en-US" altLang="ko-KR" dirty="0"/>
           </a:p>
           <a:p>
             <a:r>
-              <a:rPr lang="ko-KR" altLang="en-US" sz="1400" dirty="0" err="1" smtClean="0"/>
+              <a:rPr lang="ko-KR" altLang="en-US" sz="1400" dirty="0" err="1"/>
               <a:t>케릭터</a:t>
             </a:r>
             <a:r>
-              <a:rPr lang="ko-KR" altLang="en-US" sz="1400" dirty="0" smtClean="0"/>
+              <a:rPr lang="ko-KR" altLang="en-US" sz="1400" dirty="0"/>
               <a:t> 일러스트 만들기</a:t>
             </a:r>
-            <a:endParaRPr lang="en-US" altLang="ko-KR" sz="1400" dirty="0" smtClean="0"/>
-          </a:p>
-          <a:p>
-            <a:r>
-              <a:rPr lang="en-US" altLang="ko-KR" sz="1400" dirty="0" smtClean="0"/>
+            <a:endParaRPr lang="en-US" altLang="ko-KR" sz="1400" dirty="0"/>
+          </a:p>
+          <a:p>
+            <a:r>
+              <a:rPr lang="en-US" altLang="ko-KR" sz="1400" dirty="0"/>
               <a:t>GUI </a:t>
             </a:r>
             <a:r>
-              <a:rPr lang="ko-KR" altLang="en-US" sz="1400" dirty="0" smtClean="0"/>
+              <a:rPr lang="ko-KR" altLang="en-US" sz="1400" dirty="0"/>
               <a:t>체력용 하트 이미지 및 애니메이션</a:t>
             </a:r>
             <a:r>
-              <a:rPr lang="en-US" altLang="ko-KR" sz="1400" dirty="0" smtClean="0"/>
+              <a:rPr lang="en-US" altLang="ko-KR" sz="1400" dirty="0"/>
               <a:t>(</a:t>
             </a:r>
             <a:r>
-              <a:rPr lang="ko-KR" altLang="en-US" sz="1400" dirty="0" smtClean="0"/>
+              <a:rPr lang="ko-KR" altLang="en-US" sz="1400" dirty="0"/>
               <a:t>하트가 생길 때는 그냥 생기지만 사라질 때는 하트가 반으로 쪼개지고 천천히 위로 올라가면서 </a:t>
             </a:r>
             <a:r>
-              <a:rPr lang="ko-KR" altLang="en-US" sz="1400" dirty="0" err="1" smtClean="0"/>
+              <a:rPr lang="ko-KR" altLang="en-US" sz="1400" dirty="0" err="1"/>
               <a:t>페이드</a:t>
             </a:r>
             <a:r>
-              <a:rPr lang="ko-KR" altLang="en-US" sz="1400" dirty="0" smtClean="0"/>
+              <a:rPr lang="ko-KR" altLang="en-US" sz="1400" dirty="0"/>
               <a:t> 아웃</a:t>
             </a:r>
-            <a:endParaRPr lang="en-US" altLang="ko-KR" sz="1400" dirty="0" smtClean="0"/>
-          </a:p>
-          <a:p>
-            <a:r>
-              <a:rPr lang="en-US" altLang="ko-KR" sz="1400" dirty="0" smtClean="0"/>
+            <a:endParaRPr lang="en-US" altLang="ko-KR" sz="1400" dirty="0"/>
+          </a:p>
+          <a:p>
+            <a:r>
+              <a:rPr lang="en-US" altLang="ko-KR" sz="1400" dirty="0"/>
               <a:t>GUI </a:t>
             </a:r>
             <a:r>
-              <a:rPr lang="ko-KR" altLang="en-US" sz="1400" dirty="0" smtClean="0"/>
+              <a:rPr lang="ko-KR" altLang="en-US" sz="1400" dirty="0"/>
               <a:t>탄성 게이지</a:t>
             </a:r>
-            <a:endParaRPr lang="en-US" altLang="ko-KR" sz="1400" dirty="0" smtClean="0"/>
+            <a:endParaRPr lang="en-US" altLang="ko-KR" sz="1400" dirty="0"/>
           </a:p>
         </p:txBody>
       </p:sp>
@@ -3305,10 +3277,9 @@
           <a:lstStyle/>
           <a:p>
             <a:r>
-              <a:rPr lang="ko-KR" altLang="en-US" dirty="0" smtClean="0"/>
+              <a:rPr lang="ko-KR" altLang="en-US" dirty="0"/>
               <a:t>프로그래밍</a:t>
             </a:r>
-            <a:endParaRPr lang="ko-KR" altLang="en-US" dirty="0"/>
           </a:p>
         </p:txBody>
       </p:sp>
@@ -3330,250 +3301,250 @@
           <a:lstStyle/>
           <a:p>
             <a:r>
-              <a:rPr lang="ko-KR" altLang="en-US" sz="1400" dirty="0" err="1" smtClean="0"/>
+              <a:rPr lang="ko-KR" altLang="en-US" sz="1400" dirty="0" err="1"/>
               <a:t>케릭터</a:t>
             </a:r>
             <a:r>
-              <a:rPr lang="ko-KR" altLang="en-US" sz="1400" dirty="0" smtClean="0"/>
+              <a:rPr lang="ko-KR" altLang="en-US" sz="1400" dirty="0"/>
               <a:t> 행동 모두 구현</a:t>
             </a:r>
             <a:r>
-              <a:rPr lang="en-US" altLang="ko-KR" sz="1400" dirty="0" smtClean="0"/>
+              <a:rPr lang="en-US" altLang="ko-KR" sz="1400" dirty="0"/>
               <a:t>(PPT </a:t>
             </a:r>
             <a:r>
-              <a:rPr lang="ko-KR" altLang="en-US" sz="1400" dirty="0" smtClean="0"/>
+              <a:rPr lang="ko-KR" altLang="en-US" sz="1400" dirty="0"/>
               <a:t>참고</a:t>
             </a:r>
             <a:r>
-              <a:rPr lang="en-US" altLang="ko-KR" sz="1400" dirty="0" smtClean="0"/>
+              <a:rPr lang="en-US" altLang="ko-KR" sz="1400" dirty="0"/>
               <a:t>)</a:t>
             </a:r>
           </a:p>
           <a:p>
             <a:r>
-              <a:rPr lang="ko-KR" altLang="en-US" sz="1400" strike="sngStrike" smtClean="0"/>
+              <a:rPr lang="ko-KR" altLang="en-US" sz="1400" strike="sngStrike" dirty="0"/>
               <a:t>적 </a:t>
             </a:r>
             <a:r>
-              <a:rPr lang="ko-KR" altLang="en-US" sz="1400" strike="sngStrike" dirty="0" err="1" smtClean="0"/>
+              <a:rPr lang="ko-KR" altLang="en-US" sz="1400" strike="sngStrike" dirty="0" err="1"/>
               <a:t>케릭터들</a:t>
             </a:r>
             <a:r>
-              <a:rPr lang="ko-KR" altLang="en-US" sz="1400" strike="sngStrike" dirty="0" smtClean="0"/>
+              <a:rPr lang="ko-KR" altLang="en-US" sz="1400" strike="sngStrike" dirty="0"/>
               <a:t> 버그 수정 부탁</a:t>
             </a:r>
             <a:r>
-              <a:rPr lang="en-US" altLang="ko-KR" sz="1400" strike="sngStrike" dirty="0" smtClean="0"/>
+              <a:rPr lang="en-US" altLang="ko-KR" sz="1400" strike="sngStrike" dirty="0"/>
               <a:t>(</a:t>
             </a:r>
             <a:r>
-              <a:rPr lang="ko-KR" altLang="en-US" sz="1400" strike="sngStrike" dirty="0" smtClean="0"/>
+              <a:rPr lang="ko-KR" altLang="en-US" sz="1400" strike="sngStrike" dirty="0"/>
               <a:t>먹통 버그</a:t>
             </a:r>
             <a:r>
-              <a:rPr lang="en-US" altLang="ko-KR" sz="1400" strike="sngStrike" dirty="0" smtClean="0"/>
+              <a:rPr lang="en-US" altLang="ko-KR" sz="1400" strike="sngStrike" dirty="0"/>
               <a:t>)</a:t>
             </a:r>
           </a:p>
           <a:p>
             <a:r>
-              <a:rPr lang="ko-KR" altLang="en-US" sz="1400" dirty="0" smtClean="0"/>
+              <a:rPr lang="ko-KR" altLang="en-US" sz="1400" strike="sngStrike" dirty="0"/>
               <a:t>총을 한 발만 쏘기로 수정</a:t>
             </a:r>
             <a:r>
-              <a:rPr lang="en-US" altLang="ko-KR" sz="1400" dirty="0" smtClean="0"/>
+              <a:rPr lang="en-US" altLang="ko-KR" sz="1400" strike="sngStrike" dirty="0"/>
               <a:t>, </a:t>
             </a:r>
             <a:r>
-              <a:rPr lang="ko-KR" altLang="en-US" sz="1400" dirty="0" smtClean="0"/>
-              <a:t>속도 높이기</a:t>
-            </a:r>
-            <a:endParaRPr lang="en-US" altLang="ko-KR" sz="1400" dirty="0" smtClean="0"/>
-          </a:p>
-          <a:p>
-            <a:r>
-              <a:rPr lang="ko-KR" altLang="en-US" sz="1400" strike="sngStrike" dirty="0" smtClean="0"/>
+              <a:rPr lang="ko-KR" altLang="en-US" sz="1400" strike="sngStrike" dirty="0"/>
+              <a:t>속도 높이기 </a:t>
+            </a:r>
+            <a:r>
+              <a:rPr lang="en-US" altLang="ko-KR" sz="1400" strike="sngStrike" dirty="0"/>
+              <a:t>// Inspector</a:t>
+            </a:r>
+            <a:r>
+              <a:rPr lang="ko-KR" altLang="en-US" sz="1400" strike="sngStrike" dirty="0"/>
+              <a:t>에서 수정 가능</a:t>
+            </a:r>
+            <a:endParaRPr lang="en-US" altLang="ko-KR" sz="1400" strike="sngStrike" dirty="0"/>
+          </a:p>
+          <a:p>
+            <a:r>
+              <a:rPr lang="ko-KR" altLang="en-US" sz="1400" strike="sngStrike" dirty="0"/>
               <a:t>총알도 시간의 영향을 받도록 수정</a:t>
             </a:r>
-            <a:endParaRPr lang="en-US" altLang="ko-KR" sz="1400" strike="sngStrike" dirty="0" smtClean="0"/>
-          </a:p>
-          <a:p>
-            <a:r>
-              <a:rPr lang="ko-KR" altLang="en-US" sz="1400" strike="sngStrike" dirty="0" smtClean="0"/>
+            <a:endParaRPr lang="en-US" altLang="ko-KR" sz="1400" strike="sngStrike" dirty="0"/>
+          </a:p>
+          <a:p>
+            <a:r>
+              <a:rPr lang="ko-KR" altLang="en-US" sz="1400" strike="sngStrike" dirty="0"/>
               <a:t>과거 현재 </a:t>
             </a:r>
             <a:r>
-              <a:rPr lang="ko-KR" altLang="en-US" sz="1400" strike="sngStrike" dirty="0" err="1" smtClean="0"/>
+              <a:rPr lang="ko-KR" altLang="en-US" sz="1400" strike="sngStrike" dirty="0" err="1"/>
               <a:t>레이어</a:t>
             </a:r>
             <a:r>
-              <a:rPr lang="ko-KR" altLang="en-US" sz="1400" strike="sngStrike" dirty="0" smtClean="0"/>
+              <a:rPr lang="ko-KR" altLang="en-US" sz="1400" strike="sngStrike" dirty="0"/>
               <a:t> 자동화</a:t>
             </a:r>
             <a:r>
-              <a:rPr lang="en-US" altLang="ko-KR" sz="1400" strike="sngStrike" dirty="0" smtClean="0"/>
-              <a:t>(inspecto</a:t>
-            </a:r>
-            <a:r>
               <a:rPr lang="en-US" altLang="ko-KR" sz="1400" strike="sngStrike" dirty="0"/>
-              <a:t>r</a:t>
-            </a:r>
-            <a:r>
-              <a:rPr lang="ko-KR" altLang="en-US" sz="1400" strike="sngStrike" dirty="0" smtClean="0"/>
+              <a:t>(inspector</a:t>
+            </a:r>
+            <a:r>
+              <a:rPr lang="ko-KR" altLang="en-US" sz="1400" strike="sngStrike" dirty="0"/>
               <a:t>에서 값을 변경하지 않고 </a:t>
             </a:r>
             <a:r>
-              <a:rPr lang="en-US" altLang="ko-KR" sz="1400" strike="sngStrike" dirty="0" smtClean="0"/>
+              <a:rPr lang="en-US" altLang="ko-KR" sz="1400" strike="sngStrike" dirty="0"/>
               <a:t>hierarchy </a:t>
             </a:r>
             <a:r>
-              <a:rPr lang="ko-KR" altLang="en-US" sz="1400" strike="sngStrike" dirty="0" smtClean="0"/>
+              <a:rPr lang="ko-KR" altLang="en-US" sz="1400" strike="sngStrike" dirty="0"/>
               <a:t>관계 만으로 정해지도록</a:t>
             </a:r>
             <a:r>
-              <a:rPr lang="en-US" altLang="ko-KR" sz="1400" strike="sngStrike" dirty="0" smtClean="0"/>
+              <a:rPr lang="en-US" altLang="ko-KR" sz="1400" strike="sngStrike" dirty="0"/>
               <a:t>)</a:t>
             </a:r>
           </a:p>
           <a:p>
             <a:r>
-              <a:rPr lang="ko-KR" altLang="en-US" sz="1400" dirty="0" smtClean="0"/>
+              <a:rPr lang="ko-KR" altLang="en-US" sz="1400" dirty="0"/>
               <a:t>여자 요원 </a:t>
             </a:r>
             <a:r>
-              <a:rPr lang="ko-KR" altLang="en-US" sz="1400" dirty="0" err="1" smtClean="0"/>
+              <a:rPr lang="ko-KR" altLang="en-US" sz="1400" dirty="0" err="1"/>
               <a:t>케릭터</a:t>
             </a:r>
             <a:r>
-              <a:rPr lang="ko-KR" altLang="en-US" sz="1400" dirty="0" smtClean="0"/>
+              <a:rPr lang="ko-KR" altLang="en-US" sz="1400" dirty="0"/>
               <a:t> 개발</a:t>
             </a:r>
             <a:r>
-              <a:rPr lang="en-US" altLang="ko-KR" sz="1400" dirty="0" smtClean="0"/>
+              <a:rPr lang="en-US" altLang="ko-KR" sz="1400" dirty="0"/>
               <a:t>(</a:t>
             </a:r>
             <a:r>
-              <a:rPr lang="ko-KR" altLang="en-US" sz="1400" dirty="0" smtClean="0"/>
+              <a:rPr lang="ko-KR" altLang="en-US" sz="1400" dirty="0"/>
               <a:t>애니메이션 정보 받아오면 플레이 할 수 있도록 </a:t>
             </a:r>
             <a:r>
-              <a:rPr lang="ko-KR" altLang="en-US" sz="1400" dirty="0" err="1" smtClean="0"/>
+              <a:rPr lang="ko-KR" altLang="en-US" sz="1400" dirty="0" err="1"/>
               <a:t>만들것</a:t>
             </a:r>
             <a:r>
-              <a:rPr lang="en-US" altLang="ko-KR" sz="1400" dirty="0" smtClean="0"/>
+              <a:rPr lang="en-US" altLang="ko-KR" sz="1400" dirty="0"/>
               <a:t>)</a:t>
             </a:r>
           </a:p>
           <a:p>
             <a:r>
-              <a:rPr lang="ko-KR" altLang="en-US" sz="1400" dirty="0" smtClean="0"/>
+              <a:rPr lang="ko-KR" altLang="en-US" sz="1400" strike="sngStrike" dirty="0"/>
               <a:t>경비원 </a:t>
             </a:r>
             <a:r>
-              <a:rPr lang="ko-KR" altLang="en-US" sz="1400" dirty="0" err="1" smtClean="0"/>
+              <a:rPr lang="ko-KR" altLang="en-US" sz="1400" strike="sngStrike" dirty="0" err="1"/>
               <a:t>케릭터</a:t>
             </a:r>
             <a:r>
-              <a:rPr lang="ko-KR" altLang="en-US" sz="1400" dirty="0" smtClean="0"/>
+              <a:rPr lang="ko-KR" altLang="en-US" sz="1400" strike="sngStrike" dirty="0"/>
               <a:t> 땅 벗어나면 떨어지도록 구현</a:t>
             </a:r>
-            <a:endParaRPr lang="en-US" altLang="ko-KR" sz="1400" dirty="0" smtClean="0"/>
-          </a:p>
-          <a:p>
-            <a:r>
-              <a:rPr lang="ko-KR" altLang="en-US" sz="1400" dirty="0" smtClean="0"/>
+            <a:endParaRPr lang="en-US" altLang="ko-KR" sz="1400" strike="sngStrike" dirty="0"/>
+          </a:p>
+          <a:p>
+            <a:r>
+              <a:rPr lang="ko-KR" altLang="en-US" sz="1400" strike="sngStrike" dirty="0"/>
               <a:t>벽 모서리에 매달렸을 때 점프 한 번 눌렀는데 땅 위로 오르고 바로 점프되는 문제 해결</a:t>
             </a:r>
-            <a:endParaRPr lang="en-US" altLang="ko-KR" sz="1400" dirty="0" smtClean="0"/>
-          </a:p>
-          <a:p>
-            <a:r>
-              <a:rPr lang="en-US" altLang="ko-KR" sz="1400" dirty="0" smtClean="0"/>
+            <a:endParaRPr lang="en-US" altLang="ko-KR" sz="1400" strike="sngStrike" dirty="0"/>
+          </a:p>
+          <a:p>
+            <a:r>
+              <a:rPr lang="en-US" altLang="ko-KR" sz="1400" dirty="0"/>
               <a:t>Stage1-2 </a:t>
             </a:r>
             <a:r>
-              <a:rPr lang="ko-KR" altLang="en-US" sz="1400" dirty="0" err="1" smtClean="0"/>
+              <a:rPr lang="ko-KR" altLang="en-US" sz="1400" dirty="0" err="1"/>
               <a:t>스나이퍼</a:t>
             </a:r>
             <a:r>
               <a:rPr lang="ko-KR" altLang="en-US" sz="1400" dirty="0"/>
-              <a:t> </a:t>
-            </a:r>
-            <a:r>
-              <a:rPr lang="ko-KR" altLang="en-US" sz="1400" dirty="0" smtClean="0"/>
-              <a:t>구현</a:t>
-            </a:r>
-            <a:endParaRPr lang="en-US" altLang="ko-KR" sz="1400" dirty="0" smtClean="0"/>
-          </a:p>
-          <a:p>
-            <a:r>
-              <a:rPr lang="en-US" altLang="ko-KR" sz="1400" dirty="0" err="1" smtClean="0"/>
+              <a:t> 구현</a:t>
+            </a:r>
+            <a:endParaRPr lang="en-US" altLang="ko-KR" sz="1400" dirty="0"/>
+          </a:p>
+          <a:p>
+            <a:r>
+              <a:rPr lang="en-US" altLang="ko-KR" sz="1400" strike="sngStrike" dirty="0" err="1"/>
               <a:t>FindOutGaugeScript.cs</a:t>
             </a:r>
             <a:r>
-              <a:rPr lang="en-US" altLang="ko-KR" sz="1400" dirty="0" smtClean="0"/>
+              <a:rPr lang="en-US" altLang="ko-KR" sz="1400" strike="sngStrike" dirty="0"/>
               <a:t> 33 Null Refer</a:t>
             </a:r>
             <a:r>
-              <a:rPr lang="ko-KR" altLang="en-US" sz="1400" dirty="0" smtClean="0"/>
+              <a:rPr lang="ko-KR" altLang="en-US" sz="1400" strike="sngStrike" dirty="0"/>
               <a:t>버그 해결</a:t>
             </a:r>
-            <a:endParaRPr lang="en-US" altLang="ko-KR" sz="1400" dirty="0" smtClean="0"/>
-          </a:p>
-          <a:p>
-            <a:r>
-              <a:rPr lang="ko-KR" altLang="en-US" sz="1400" dirty="0" smtClean="0"/>
+            <a:endParaRPr lang="en-US" altLang="ko-KR" sz="1400" strike="sngStrike" dirty="0"/>
+          </a:p>
+          <a:p>
+            <a:r>
+              <a:rPr lang="ko-KR" altLang="en-US" sz="1400" dirty="0"/>
               <a:t>탄성 게이지</a:t>
             </a:r>
             <a:r>
-              <a:rPr lang="en-US" altLang="ko-KR" sz="1400" dirty="0" smtClean="0"/>
+              <a:rPr lang="en-US" altLang="ko-KR" sz="1400" dirty="0"/>
               <a:t>.....(</a:t>
             </a:r>
             <a:r>
-              <a:rPr lang="ko-KR" altLang="en-US" sz="1400" dirty="0" smtClean="0"/>
+              <a:rPr lang="ko-KR" altLang="en-US" sz="1400" dirty="0"/>
               <a:t>기획이 확실하게 나온 후 구현</a:t>
             </a:r>
             <a:r>
-              <a:rPr lang="en-US" altLang="ko-KR" sz="1400" dirty="0" smtClean="0"/>
+              <a:rPr lang="en-US" altLang="ko-KR" sz="1400" dirty="0"/>
               <a:t>)</a:t>
             </a:r>
           </a:p>
           <a:p>
             <a:r>
-              <a:rPr lang="ko-KR" altLang="en-US" sz="1400" dirty="0" smtClean="0"/>
+              <a:rPr lang="ko-KR" altLang="en-US" sz="1400" dirty="0"/>
               <a:t>체력 시스템 구현</a:t>
             </a:r>
             <a:r>
-              <a:rPr lang="en-US" altLang="ko-KR" sz="1400" dirty="0" smtClean="0"/>
+              <a:rPr lang="en-US" altLang="ko-KR" sz="1400" dirty="0"/>
               <a:t>, </a:t>
             </a:r>
             <a:r>
-              <a:rPr lang="ko-KR" altLang="en-US" sz="1400" dirty="0" smtClean="0"/>
+              <a:rPr lang="ko-KR" altLang="en-US" sz="1400" dirty="0"/>
               <a:t>적에게 총알을 맞으면 체력이 떨어지고 </a:t>
             </a:r>
             <a:r>
-              <a:rPr lang="ko-KR" altLang="en-US" sz="1400" dirty="0" err="1" smtClean="0"/>
+              <a:rPr lang="ko-KR" altLang="en-US" sz="1400" dirty="0" err="1"/>
               <a:t>케릭터가</a:t>
             </a:r>
             <a:r>
-              <a:rPr lang="ko-KR" altLang="en-US" sz="1400" dirty="0" smtClean="0"/>
+              <a:rPr lang="ko-KR" altLang="en-US" sz="1400" dirty="0"/>
               <a:t> 경직 및 카메라가 살짝 흔들리는 </a:t>
             </a:r>
             <a:r>
-              <a:rPr lang="ko-KR" altLang="en-US" sz="1400" dirty="0" err="1" smtClean="0"/>
+              <a:rPr lang="ko-KR" altLang="en-US" sz="1400" dirty="0" err="1"/>
               <a:t>무빙</a:t>
             </a:r>
             <a:r>
-              <a:rPr lang="en-US" altLang="ko-KR" sz="1400" dirty="0" smtClean="0"/>
+              <a:rPr lang="en-US" altLang="ko-KR" sz="1400" dirty="0"/>
               <a:t>, </a:t>
             </a:r>
             <a:r>
-              <a:rPr lang="ko-KR" altLang="en-US" sz="1400" dirty="0" smtClean="0"/>
+              <a:rPr lang="ko-KR" altLang="en-US" sz="1400" dirty="0"/>
               <a:t>체력이 모두 떨어지면 게임 오버</a:t>
             </a:r>
-            <a:endParaRPr lang="en-US" altLang="ko-KR" sz="1400" dirty="0" smtClean="0"/>
+            <a:endParaRPr lang="en-US" altLang="ko-KR" sz="1400" dirty="0"/>
           </a:p>
         </p:txBody>
       </p:sp>
@@ -3587,13 +3558,6 @@
   <p:clrMapOvr>
     <a:masterClrMapping/>
   </p:clrMapOvr>
-  <p:timing>
-    <p:tnLst>
-      <p:par>
-        <p:cTn id="1" dur="indefinite" restart="never" nodeType="tmRoot"/>
-      </p:par>
-    </p:tnLst>
-  </p:timing>
 </p:sld>
 </file>
 
@@ -3630,14 +3594,13 @@
           <a:lstStyle/>
           <a:p>
             <a:r>
-              <a:rPr lang="ko-KR" altLang="en-US" dirty="0" err="1" smtClean="0"/>
+              <a:rPr lang="ko-KR" altLang="en-US" dirty="0" err="1"/>
               <a:t>소마</a:t>
             </a:r>
             <a:r>
-              <a:rPr lang="ko-KR" altLang="en-US" dirty="0" smtClean="0"/>
+              <a:rPr lang="ko-KR" altLang="en-US" dirty="0"/>
               <a:t> 일정</a:t>
             </a:r>
-            <a:endParaRPr lang="ko-KR" altLang="en-US" dirty="0"/>
           </a:p>
         </p:txBody>
       </p:sp>
@@ -3706,10 +3669,9 @@
           <a:lstStyle/>
           <a:p>
             <a:r>
-              <a:rPr lang="ko-KR" altLang="en-US" dirty="0" smtClean="0"/>
+              <a:rPr lang="ko-KR" altLang="en-US" dirty="0"/>
               <a:t>홍보</a:t>
             </a:r>
-            <a:endParaRPr lang="ko-KR" altLang="en-US" dirty="0"/>
           </a:p>
         </p:txBody>
       </p:sp>

--- a/Documents/회의록 및 일정/해야할 일들.pptx
+++ b/Documents/회의록 및 일정/해야할 일들.pptx
@@ -3352,7 +3352,7 @@
           </a:p>
           <a:p>
             <a:r>
-              <a:rPr lang="ko-KR" altLang="en-US" sz="1400" strike="sngStrike" smtClean="0"/>
+              <a:rPr lang="ko-KR" altLang="en-US" sz="1400" strike="sngStrike" dirty="0" smtClean="0"/>
               <a:t>적 </a:t>
             </a:r>
             <a:r>
@@ -3518,7 +3518,27 @@
             </a:r>
             <a:r>
               <a:rPr lang="ko-KR" altLang="en-US" sz="1400" dirty="0" smtClean="0"/>
-              <a:t>버그 해결</a:t>
+              <a:t>버그 </a:t>
+            </a:r>
+            <a:r>
+              <a:rPr lang="ko-KR" altLang="en-US" sz="1400" dirty="0" smtClean="0"/>
+              <a:t>해결</a:t>
+            </a:r>
+            <a:r>
+              <a:rPr lang="en-US" altLang="ko-KR" sz="1400" dirty="0" smtClean="0"/>
+              <a:t>, </a:t>
+            </a:r>
+            <a:r>
+              <a:rPr lang="ko-KR" altLang="en-US" sz="1400" dirty="0" smtClean="0"/>
+              <a:t>적 밑에 게이지가 자동으로 </a:t>
+            </a:r>
+            <a:r>
+              <a:rPr lang="en-US" altLang="ko-KR" sz="1400" dirty="0" smtClean="0"/>
+              <a:t>enemy</a:t>
+            </a:r>
+            <a:r>
+              <a:rPr lang="ko-KR" altLang="en-US" sz="1400" smtClean="0"/>
+              <a:t>를 찾아가도록</a:t>
             </a:r>
             <a:endParaRPr lang="en-US" altLang="ko-KR" sz="1400" dirty="0" smtClean="0"/>
           </a:p>

--- a/Documents/회의록 및 일정/해야할 일들.pptx
+++ b/Documents/회의록 및 일정/해야할 일들.pptx
@@ -247,7 +247,7 @@
           <a:p>
             <a:fld id="{C4052176-E421-4415-B777-3F697987D826}" type="datetimeFigureOut">
               <a:rPr lang="ko-KR" altLang="en-US" smtClean="0"/>
-              <a:t>2017-04-08</a:t>
+              <a:t>2017-04-12</a:t>
             </a:fld>
             <a:endParaRPr lang="ko-KR" altLang="en-US"/>
           </a:p>
@@ -417,7 +417,7 @@
           <a:p>
             <a:fld id="{C4052176-E421-4415-B777-3F697987D826}" type="datetimeFigureOut">
               <a:rPr lang="ko-KR" altLang="en-US" smtClean="0"/>
-              <a:t>2017-04-08</a:t>
+              <a:t>2017-04-12</a:t>
             </a:fld>
             <a:endParaRPr lang="ko-KR" altLang="en-US"/>
           </a:p>
@@ -597,7 +597,7 @@
           <a:p>
             <a:fld id="{C4052176-E421-4415-B777-3F697987D826}" type="datetimeFigureOut">
               <a:rPr lang="ko-KR" altLang="en-US" smtClean="0"/>
-              <a:t>2017-04-08</a:t>
+              <a:t>2017-04-12</a:t>
             </a:fld>
             <a:endParaRPr lang="ko-KR" altLang="en-US"/>
           </a:p>
@@ -767,7 +767,7 @@
           <a:p>
             <a:fld id="{C4052176-E421-4415-B777-3F697987D826}" type="datetimeFigureOut">
               <a:rPr lang="ko-KR" altLang="en-US" smtClean="0"/>
-              <a:t>2017-04-08</a:t>
+              <a:t>2017-04-12</a:t>
             </a:fld>
             <a:endParaRPr lang="ko-KR" altLang="en-US"/>
           </a:p>
@@ -1013,7 +1013,7 @@
           <a:p>
             <a:fld id="{C4052176-E421-4415-B777-3F697987D826}" type="datetimeFigureOut">
               <a:rPr lang="ko-KR" altLang="en-US" smtClean="0"/>
-              <a:t>2017-04-08</a:t>
+              <a:t>2017-04-12</a:t>
             </a:fld>
             <a:endParaRPr lang="ko-KR" altLang="en-US"/>
           </a:p>
@@ -1245,7 +1245,7 @@
           <a:p>
             <a:fld id="{C4052176-E421-4415-B777-3F697987D826}" type="datetimeFigureOut">
               <a:rPr lang="ko-KR" altLang="en-US" smtClean="0"/>
-              <a:t>2017-04-08</a:t>
+              <a:t>2017-04-12</a:t>
             </a:fld>
             <a:endParaRPr lang="ko-KR" altLang="en-US"/>
           </a:p>
@@ -1612,7 +1612,7 @@
           <a:p>
             <a:fld id="{C4052176-E421-4415-B777-3F697987D826}" type="datetimeFigureOut">
               <a:rPr lang="ko-KR" altLang="en-US" smtClean="0"/>
-              <a:t>2017-04-08</a:t>
+              <a:t>2017-04-12</a:t>
             </a:fld>
             <a:endParaRPr lang="ko-KR" altLang="en-US"/>
           </a:p>
@@ -1730,7 +1730,7 @@
           <a:p>
             <a:fld id="{C4052176-E421-4415-B777-3F697987D826}" type="datetimeFigureOut">
               <a:rPr lang="ko-KR" altLang="en-US" smtClean="0"/>
-              <a:t>2017-04-08</a:t>
+              <a:t>2017-04-12</a:t>
             </a:fld>
             <a:endParaRPr lang="ko-KR" altLang="en-US"/>
           </a:p>
@@ -1825,7 +1825,7 @@
           <a:p>
             <a:fld id="{C4052176-E421-4415-B777-3F697987D826}" type="datetimeFigureOut">
               <a:rPr lang="ko-KR" altLang="en-US" smtClean="0"/>
-              <a:t>2017-04-08</a:t>
+              <a:t>2017-04-12</a:t>
             </a:fld>
             <a:endParaRPr lang="ko-KR" altLang="en-US"/>
           </a:p>
@@ -2102,7 +2102,7 @@
           <a:p>
             <a:fld id="{C4052176-E421-4415-B777-3F697987D826}" type="datetimeFigureOut">
               <a:rPr lang="ko-KR" altLang="en-US" smtClean="0"/>
-              <a:t>2017-04-08</a:t>
+              <a:t>2017-04-12</a:t>
             </a:fld>
             <a:endParaRPr lang="ko-KR" altLang="en-US"/>
           </a:p>
@@ -2355,7 +2355,7 @@
           <a:p>
             <a:fld id="{C4052176-E421-4415-B777-3F697987D826}" type="datetimeFigureOut">
               <a:rPr lang="ko-KR" altLang="en-US" smtClean="0"/>
-              <a:t>2017-04-08</a:t>
+              <a:t>2017-04-12</a:t>
             </a:fld>
             <a:endParaRPr lang="ko-KR" altLang="en-US"/>
           </a:p>
@@ -2568,7 +2568,7 @@
           <a:p>
             <a:fld id="{C4052176-E421-4415-B777-3F697987D826}" type="datetimeFigureOut">
               <a:rPr lang="ko-KR" altLang="en-US" smtClean="0"/>
-              <a:t>2017-04-08</a:t>
+              <a:t>2017-04-12</a:t>
             </a:fld>
             <a:endParaRPr lang="ko-KR" altLang="en-US"/>
           </a:p>
@@ -3325,7 +3325,7 @@
         <p:spPr/>
         <p:txBody>
           <a:bodyPr>
-            <a:normAutofit/>
+            <a:normAutofit lnSpcReduction="10000"/>
           </a:bodyPr>
           <a:lstStyle/>
           <a:p>
@@ -3378,8 +3378,188 @@
           </a:p>
           <a:p>
             <a:r>
+              <a:rPr lang="ko-KR" altLang="en-US" sz="1400" strike="sngStrike" dirty="0" smtClean="0"/>
+              <a:t>총을 한 발만 쏘기로 수정</a:t>
+            </a:r>
+            <a:r>
+              <a:rPr lang="en-US" altLang="ko-KR" sz="1400" strike="sngStrike" dirty="0" smtClean="0"/>
+              <a:t>, </a:t>
+            </a:r>
+            <a:r>
+              <a:rPr lang="ko-KR" altLang="en-US" sz="1400" strike="sngStrike" dirty="0" smtClean="0"/>
+              <a:t>속도 높이기</a:t>
+            </a:r>
+            <a:endParaRPr lang="en-US" altLang="ko-KR" sz="1400" strike="sngStrike" dirty="0" smtClean="0"/>
+          </a:p>
+          <a:p>
+            <a:r>
+              <a:rPr lang="ko-KR" altLang="en-US" sz="1400" strike="sngStrike" dirty="0" smtClean="0"/>
+              <a:t>총알도 시간의 영향을 받도록 수정</a:t>
+            </a:r>
+            <a:endParaRPr lang="en-US" altLang="ko-KR" sz="1400" strike="sngStrike" dirty="0" smtClean="0"/>
+          </a:p>
+          <a:p>
+            <a:r>
+              <a:rPr lang="ko-KR" altLang="en-US" sz="1400" strike="sngStrike" dirty="0" smtClean="0"/>
+              <a:t>과거 현재 </a:t>
+            </a:r>
+            <a:r>
+              <a:rPr lang="ko-KR" altLang="en-US" sz="1400" strike="sngStrike" dirty="0" err="1" smtClean="0"/>
+              <a:t>레이어</a:t>
+            </a:r>
+            <a:r>
+              <a:rPr lang="ko-KR" altLang="en-US" sz="1400" strike="sngStrike" dirty="0" smtClean="0"/>
+              <a:t> 자동화</a:t>
+            </a:r>
+            <a:r>
+              <a:rPr lang="en-US" altLang="ko-KR" sz="1400" strike="sngStrike" dirty="0" smtClean="0"/>
+              <a:t>(inspecto</a:t>
+            </a:r>
+            <a:r>
+              <a:rPr lang="en-US" altLang="ko-KR" sz="1400" strike="sngStrike" dirty="0"/>
+              <a:t>r</a:t>
+            </a:r>
+            <a:r>
+              <a:rPr lang="ko-KR" altLang="en-US" sz="1400" strike="sngStrike" dirty="0" smtClean="0"/>
+              <a:t>에서 값을 변경하지 않고 </a:t>
+            </a:r>
+            <a:r>
+              <a:rPr lang="en-US" altLang="ko-KR" sz="1400" strike="sngStrike" dirty="0" smtClean="0"/>
+              <a:t>hierarchy </a:t>
+            </a:r>
+            <a:r>
+              <a:rPr lang="ko-KR" altLang="en-US" sz="1400" strike="sngStrike" dirty="0" smtClean="0"/>
+              <a:t>관계 만으로 정해지도록</a:t>
+            </a:r>
+            <a:r>
+              <a:rPr lang="en-US" altLang="ko-KR" sz="1400" strike="sngStrike" dirty="0" smtClean="0"/>
+              <a:t>)</a:t>
+            </a:r>
+          </a:p>
+          <a:p>
+            <a:r>
               <a:rPr lang="ko-KR" altLang="en-US" sz="1400" dirty="0" smtClean="0"/>
-              <a:t>총을 한 발만 쏘기로 수정</a:t>
+              <a:t>여자 요원 </a:t>
+            </a:r>
+            <a:r>
+              <a:rPr lang="ko-KR" altLang="en-US" sz="1400" dirty="0" err="1" smtClean="0"/>
+              <a:t>케릭터</a:t>
+            </a:r>
+            <a:r>
+              <a:rPr lang="ko-KR" altLang="en-US" sz="1400" dirty="0" smtClean="0"/>
+              <a:t> 개발</a:t>
+            </a:r>
+            <a:r>
+              <a:rPr lang="en-US" altLang="ko-KR" sz="1400" dirty="0" smtClean="0"/>
+              <a:t>(</a:t>
+            </a:r>
+            <a:r>
+              <a:rPr lang="ko-KR" altLang="en-US" sz="1400" dirty="0" smtClean="0"/>
+              <a:t>애니메이션 정보 받아오면 플레이 할 수 있도록 </a:t>
+            </a:r>
+            <a:r>
+              <a:rPr lang="ko-KR" altLang="en-US" sz="1400" dirty="0" err="1" smtClean="0"/>
+              <a:t>만들것</a:t>
+            </a:r>
+            <a:r>
+              <a:rPr lang="en-US" altLang="ko-KR" sz="1400" dirty="0" smtClean="0"/>
+              <a:t>)</a:t>
+            </a:r>
+          </a:p>
+          <a:p>
+            <a:r>
+              <a:rPr lang="ko-KR" altLang="en-US" sz="1400" strike="sngStrike" dirty="0" smtClean="0"/>
+              <a:t>경비원 </a:t>
+            </a:r>
+            <a:r>
+              <a:rPr lang="ko-KR" altLang="en-US" sz="1400" strike="sngStrike" dirty="0" err="1" smtClean="0"/>
+              <a:t>케릭터</a:t>
+            </a:r>
+            <a:r>
+              <a:rPr lang="ko-KR" altLang="en-US" sz="1400" strike="sngStrike" dirty="0" smtClean="0"/>
+              <a:t> 땅 벗어나면 떨어지도록 구현</a:t>
+            </a:r>
+            <a:endParaRPr lang="en-US" altLang="ko-KR" sz="1400" strike="sngStrike" dirty="0" smtClean="0"/>
+          </a:p>
+          <a:p>
+            <a:r>
+              <a:rPr lang="ko-KR" altLang="en-US" sz="1400" strike="sngStrike" dirty="0" smtClean="0"/>
+              <a:t>벽 모서리에 매달렸을 때 점프 한 번 눌렀는데 땅 위로 오르고 바로 점프되는 문제 해결</a:t>
+            </a:r>
+            <a:endParaRPr lang="en-US" altLang="ko-KR" sz="1400" strike="sngStrike" dirty="0" smtClean="0"/>
+          </a:p>
+          <a:p>
+            <a:r>
+              <a:rPr lang="en-US" altLang="ko-KR" sz="1400" dirty="0" smtClean="0"/>
+              <a:t>Stage1-2 </a:t>
+            </a:r>
+            <a:r>
+              <a:rPr lang="ko-KR" altLang="en-US" sz="1400" dirty="0" err="1" smtClean="0"/>
+              <a:t>스나이퍼</a:t>
+            </a:r>
+            <a:r>
+              <a:rPr lang="ko-KR" altLang="en-US" sz="1400" dirty="0"/>
+              <a:t> </a:t>
+            </a:r>
+            <a:r>
+              <a:rPr lang="ko-KR" altLang="en-US" sz="1400" dirty="0" smtClean="0"/>
+              <a:t>구현</a:t>
+            </a:r>
+            <a:endParaRPr lang="en-US" altLang="ko-KR" sz="1400" dirty="0" smtClean="0"/>
+          </a:p>
+          <a:p>
+            <a:r>
+              <a:rPr lang="en-US" altLang="ko-KR" sz="1400" strike="sngStrike" dirty="0" err="1" smtClean="0"/>
+              <a:t>FindOutGaugeScript.cs</a:t>
+            </a:r>
+            <a:r>
+              <a:rPr lang="en-US" altLang="ko-KR" sz="1400" strike="sngStrike" dirty="0" smtClean="0"/>
+              <a:t> 33 Null Refer</a:t>
+            </a:r>
+            <a:r>
+              <a:rPr lang="ko-KR" altLang="en-US" sz="1400" strike="sngStrike" dirty="0" smtClean="0"/>
+              <a:t>버그 해결</a:t>
+            </a:r>
+            <a:r>
+              <a:rPr lang="en-US" altLang="ko-KR" sz="1400" strike="sngStrike" dirty="0" smtClean="0"/>
+              <a:t>, </a:t>
+            </a:r>
+            <a:r>
+              <a:rPr lang="ko-KR" altLang="en-US" sz="1400" strike="sngStrike" dirty="0" smtClean="0"/>
+              <a:t>적 밑에 게이지가 자동으로 </a:t>
+            </a:r>
+            <a:r>
+              <a:rPr lang="en-US" altLang="ko-KR" sz="1400" strike="sngStrike" dirty="0" smtClean="0"/>
+              <a:t>enemy</a:t>
+            </a:r>
+            <a:r>
+              <a:rPr lang="ko-KR" altLang="en-US" sz="1400" strike="sngStrike" dirty="0" smtClean="0"/>
+              <a:t>를 찾아가도록</a:t>
+            </a:r>
+            <a:endParaRPr lang="en-US" altLang="ko-KR" sz="1400" strike="sngStrike" dirty="0" smtClean="0"/>
+          </a:p>
+          <a:p>
+            <a:r>
+              <a:rPr lang="ko-KR" altLang="en-US" sz="1400" dirty="0" smtClean="0"/>
+              <a:t>탄성 게이지</a:t>
+            </a:r>
+            <a:r>
+              <a:rPr lang="en-US" altLang="ko-KR" sz="1400" dirty="0" smtClean="0"/>
+              <a:t>.....(</a:t>
+            </a:r>
+            <a:r>
+              <a:rPr lang="ko-KR" altLang="en-US" sz="1400" dirty="0" smtClean="0"/>
+              <a:t>기획이 확실하게 나온 후 구현</a:t>
+            </a:r>
+            <a:r>
+              <a:rPr lang="en-US" altLang="ko-KR" sz="1400" dirty="0" smtClean="0"/>
+              <a:t>)</a:t>
+            </a:r>
+          </a:p>
+          <a:p>
+            <a:r>
+              <a:rPr lang="ko-KR" altLang="en-US" sz="1400" dirty="0" smtClean="0"/>
+              <a:t>체력 시스템 구현</a:t>
             </a:r>
             <a:r>
               <a:rPr lang="en-US" altLang="ko-KR" sz="1400" dirty="0" smtClean="0"/>
@@ -3387,142 +3567,19 @@
             </a:r>
             <a:r>
               <a:rPr lang="ko-KR" altLang="en-US" sz="1400" dirty="0" smtClean="0"/>
-              <a:t>속도 높이기</a:t>
-            </a:r>
-            <a:endParaRPr lang="en-US" altLang="ko-KR" sz="1400" dirty="0" smtClean="0"/>
-          </a:p>
-          <a:p>
-            <a:r>
-              <a:rPr lang="ko-KR" altLang="en-US" sz="1400" strike="sngStrike" dirty="0" smtClean="0"/>
-              <a:t>총알도 시간의 영향을 받도록 수정</a:t>
-            </a:r>
-            <a:endParaRPr lang="en-US" altLang="ko-KR" sz="1400" strike="sngStrike" dirty="0" smtClean="0"/>
-          </a:p>
-          <a:p>
-            <a:r>
-              <a:rPr lang="ko-KR" altLang="en-US" sz="1400" strike="sngStrike" dirty="0" smtClean="0"/>
-              <a:t>과거 현재 </a:t>
-            </a:r>
-            <a:r>
-              <a:rPr lang="ko-KR" altLang="en-US" sz="1400" strike="sngStrike" dirty="0" err="1" smtClean="0"/>
-              <a:t>레이어</a:t>
-            </a:r>
-            <a:r>
-              <a:rPr lang="ko-KR" altLang="en-US" sz="1400" strike="sngStrike" dirty="0" smtClean="0"/>
-              <a:t> 자동화</a:t>
-            </a:r>
-            <a:r>
-              <a:rPr lang="en-US" altLang="ko-KR" sz="1400" strike="sngStrike" dirty="0" smtClean="0"/>
-              <a:t>(inspecto</a:t>
-            </a:r>
-            <a:r>
-              <a:rPr lang="en-US" altLang="ko-KR" sz="1400" strike="sngStrike" dirty="0"/>
-              <a:t>r</a:t>
-            </a:r>
-            <a:r>
-              <a:rPr lang="ko-KR" altLang="en-US" sz="1400" strike="sngStrike" dirty="0" smtClean="0"/>
-              <a:t>에서 값을 변경하지 않고 </a:t>
-            </a:r>
-            <a:r>
-              <a:rPr lang="en-US" altLang="ko-KR" sz="1400" strike="sngStrike" dirty="0" smtClean="0"/>
-              <a:t>hierarchy </a:t>
-            </a:r>
-            <a:r>
-              <a:rPr lang="ko-KR" altLang="en-US" sz="1400" strike="sngStrike" dirty="0" smtClean="0"/>
-              <a:t>관계 만으로 정해지도록</a:t>
-            </a:r>
-            <a:r>
-              <a:rPr lang="en-US" altLang="ko-KR" sz="1400" strike="sngStrike" dirty="0" smtClean="0"/>
-              <a:t>)</a:t>
-            </a:r>
-          </a:p>
-          <a:p>
+              <a:t>적에게 총알을 맞으면 체력이 떨어지고 </a:t>
+            </a:r>
+            <a:r>
+              <a:rPr lang="ko-KR" altLang="en-US" sz="1400" dirty="0" err="1" smtClean="0"/>
+              <a:t>케릭터가</a:t>
+            </a:r>
             <a:r>
               <a:rPr lang="ko-KR" altLang="en-US" sz="1400" dirty="0" smtClean="0"/>
-              <a:t>여자 요원 </a:t>
+              <a:t> 경직 및 카메라가 살짝 흔들리는 </a:t>
             </a:r>
             <a:r>
               <a:rPr lang="ko-KR" altLang="en-US" sz="1400" dirty="0" err="1" smtClean="0"/>
-              <a:t>케릭터</a:t>
-            </a:r>
-            <a:r>
-              <a:rPr lang="ko-KR" altLang="en-US" sz="1400" dirty="0" smtClean="0"/>
-              <a:t> 개발</a:t>
-            </a:r>
-            <a:r>
-              <a:rPr lang="en-US" altLang="ko-KR" sz="1400" dirty="0" smtClean="0"/>
-              <a:t>(</a:t>
-            </a:r>
-            <a:r>
-              <a:rPr lang="ko-KR" altLang="en-US" sz="1400" dirty="0" smtClean="0"/>
-              <a:t>애니메이션 정보 받아오면 플레이 할 수 있도록 </a:t>
-            </a:r>
-            <a:r>
-              <a:rPr lang="ko-KR" altLang="en-US" sz="1400" dirty="0" err="1" smtClean="0"/>
-              <a:t>만들것</a:t>
-            </a:r>
-            <a:r>
-              <a:rPr lang="en-US" altLang="ko-KR" sz="1400" dirty="0" smtClean="0"/>
-              <a:t>)</a:t>
-            </a:r>
-          </a:p>
-          <a:p>
-            <a:r>
-              <a:rPr lang="ko-KR" altLang="en-US" sz="1400" dirty="0" smtClean="0"/>
-              <a:t>경비원 </a:t>
-            </a:r>
-            <a:r>
-              <a:rPr lang="ko-KR" altLang="en-US" sz="1400" dirty="0" err="1" smtClean="0"/>
-              <a:t>케릭터</a:t>
-            </a:r>
-            <a:r>
-              <a:rPr lang="ko-KR" altLang="en-US" sz="1400" dirty="0" smtClean="0"/>
-              <a:t> 땅 벗어나면 떨어지도록 구현</a:t>
-            </a:r>
-            <a:endParaRPr lang="en-US" altLang="ko-KR" sz="1400" dirty="0" smtClean="0"/>
-          </a:p>
-          <a:p>
-            <a:r>
-              <a:rPr lang="ko-KR" altLang="en-US" sz="1400" dirty="0" smtClean="0"/>
-              <a:t>벽 모서리에 매달렸을 때 점프 한 번 눌렀는데 땅 위로 오르고 바로 점프되는 문제 해결</a:t>
-            </a:r>
-            <a:endParaRPr lang="en-US" altLang="ko-KR" sz="1400" dirty="0" smtClean="0"/>
-          </a:p>
-          <a:p>
-            <a:r>
-              <a:rPr lang="en-US" altLang="ko-KR" sz="1400" dirty="0" smtClean="0"/>
-              <a:t>Stage1-2 </a:t>
-            </a:r>
-            <a:r>
-              <a:rPr lang="ko-KR" altLang="en-US" sz="1400" dirty="0" err="1" smtClean="0"/>
-              <a:t>스나이퍼</a:t>
-            </a:r>
-            <a:r>
-              <a:rPr lang="ko-KR" altLang="en-US" sz="1400" dirty="0"/>
-              <a:t> </a:t>
-            </a:r>
-            <a:r>
-              <a:rPr lang="ko-KR" altLang="en-US" sz="1400" dirty="0" smtClean="0"/>
-              <a:t>구현</a:t>
-            </a:r>
-            <a:endParaRPr lang="en-US" altLang="ko-KR" sz="1400" dirty="0" smtClean="0"/>
-          </a:p>
-          <a:p>
-            <a:r>
-              <a:rPr lang="en-US" altLang="ko-KR" sz="1400" dirty="0" err="1" smtClean="0"/>
-              <a:t>FindOutGaugeScript.cs</a:t>
-            </a:r>
-            <a:r>
-              <a:rPr lang="en-US" altLang="ko-KR" sz="1400" dirty="0" smtClean="0"/>
-              <a:t> 33 Null Refer</a:t>
-            </a:r>
-            <a:r>
-              <a:rPr lang="ko-KR" altLang="en-US" sz="1400" dirty="0" smtClean="0"/>
-              <a:t>버그 </a:t>
-            </a:r>
-            <a:r>
-              <a:rPr lang="ko-KR" altLang="en-US" sz="1400" dirty="0" smtClean="0"/>
-              <a:t>해결</a:t>
+              <a:t>무빙</a:t>
             </a:r>
             <a:r>
               <a:rPr lang="en-US" altLang="ko-KR" sz="1400" dirty="0" smtClean="0"/>
@@ -3530,68 +3587,33 @@
             </a:r>
             <a:r>
               <a:rPr lang="ko-KR" altLang="en-US" sz="1400" dirty="0" smtClean="0"/>
-              <a:t>적 밑에 게이지가 자동으로 </a:t>
-            </a:r>
-            <a:r>
-              <a:rPr lang="en-US" altLang="ko-KR" sz="1400" dirty="0" smtClean="0"/>
-              <a:t>enemy</a:t>
-            </a:r>
-            <a:r>
-              <a:rPr lang="ko-KR" altLang="en-US" sz="1400" smtClean="0"/>
-              <a:t>를 찾아가도록</a:t>
+              <a:t>체력이 모두 떨어지면 게임 </a:t>
+            </a:r>
+            <a:r>
+              <a:rPr lang="ko-KR" altLang="en-US" sz="1400" dirty="0" smtClean="0"/>
+              <a:t>오버</a:t>
             </a:r>
             <a:endParaRPr lang="en-US" altLang="ko-KR" sz="1400" dirty="0" smtClean="0"/>
           </a:p>
           <a:p>
             <a:r>
               <a:rPr lang="ko-KR" altLang="en-US" sz="1400" dirty="0" smtClean="0"/>
-              <a:t>탄성 게이지</a:t>
-            </a:r>
-            <a:r>
-              <a:rPr lang="en-US" altLang="ko-KR" sz="1400" dirty="0" smtClean="0"/>
-              <a:t>.....(</a:t>
-            </a:r>
+              <a:t>시간 돌릴 때 효과 이미지 </a:t>
+            </a:r>
+            <a:r>
+              <a:rPr lang="ko-KR" altLang="en-US" sz="1400" dirty="0" err="1" smtClean="0"/>
+              <a:t>이펙트</a:t>
+            </a:r>
+            <a:endParaRPr lang="en-US" altLang="ko-KR" sz="1400" dirty="0" smtClean="0"/>
+          </a:p>
+          <a:p>
             <a:r>
               <a:rPr lang="ko-KR" altLang="en-US" sz="1400" dirty="0" smtClean="0"/>
-              <a:t>기획이 확실하게 나온 후 구현</a:t>
-            </a:r>
-            <a:r>
-              <a:rPr lang="en-US" altLang="ko-KR" sz="1400" dirty="0" smtClean="0"/>
-              <a:t>)</a:t>
-            </a:r>
-          </a:p>
-          <a:p>
-            <a:r>
-              <a:rPr lang="ko-KR" altLang="en-US" sz="1400" dirty="0" smtClean="0"/>
-              <a:t>체력 시스템 구현</a:t>
-            </a:r>
-            <a:r>
-              <a:rPr lang="en-US" altLang="ko-KR" sz="1400" dirty="0" smtClean="0"/>
-              <a:t>, </a:t>
-            </a:r>
-            <a:r>
-              <a:rPr lang="ko-KR" altLang="en-US" sz="1400" dirty="0" smtClean="0"/>
-              <a:t>적에게 총알을 맞으면 체력이 떨어지고 </a:t>
+              <a:t>물건 던졌을 때 소리 퍼지는 이미지 </a:t>
             </a:r>
             <a:r>
               <a:rPr lang="ko-KR" altLang="en-US" sz="1400" dirty="0" err="1" smtClean="0"/>
-              <a:t>케릭터가</a:t>
-            </a:r>
-            <a:r>
-              <a:rPr lang="ko-KR" altLang="en-US" sz="1400" dirty="0" smtClean="0"/>
-              <a:t> 경직 및 카메라가 살짝 흔들리는 </a:t>
-            </a:r>
-            <a:r>
-              <a:rPr lang="ko-KR" altLang="en-US" sz="1400" dirty="0" err="1" smtClean="0"/>
-              <a:t>무빙</a:t>
-            </a:r>
-            <a:r>
-              <a:rPr lang="en-US" altLang="ko-KR" sz="1400" dirty="0" smtClean="0"/>
-              <a:t>, </a:t>
-            </a:r>
-            <a:r>
-              <a:rPr lang="ko-KR" altLang="en-US" sz="1400" dirty="0" smtClean="0"/>
-              <a:t>체력이 모두 떨어지면 게임 오버</a:t>
+              <a:t>이펙트</a:t>
             </a:r>
             <a:endParaRPr lang="en-US" altLang="ko-KR" sz="1400" dirty="0" smtClean="0"/>
           </a:p>
